--- a/PHP期末報告.pptx
+++ b/PHP期末報告.pptx
@@ -5350,35 +5350,21 @@
               <a:t>ER/PTT</a:t>
             </a:r>
             <a:r>
-              <a:rPr lang="zh-TW" altLang="en-US" smtClean="0">
-                <a:latin typeface="微軟正黑體" panose="020B0604030504040204" pitchFamily="34" charset="-120"/>
-                <a:ea typeface="微軟正黑體" panose="020B0604030504040204" pitchFamily="34" charset="-120"/>
-              </a:rPr>
-              <a:t>重</a:t>
-            </a:r>
-            <a:r>
-              <a:rPr lang="zh-TW" altLang="en-US" smtClean="0">
-                <a:latin typeface="微軟正黑體" panose="020B0604030504040204" pitchFamily="34" charset="-120"/>
-                <a:ea typeface="微軟正黑體" panose="020B0604030504040204" pitchFamily="34" charset="-120"/>
-              </a:rPr>
-              <a:t>新</a:t>
-            </a:r>
-            <a:r>
-              <a:rPr lang="zh-TW" altLang="en-US" smtClean="0">
-                <a:latin typeface="微軟正黑體" panose="020B0604030504040204" pitchFamily="34" charset="-120"/>
-                <a:ea typeface="微軟正黑體" panose="020B0604030504040204" pitchFamily="34" charset="-120"/>
-              </a:rPr>
-              <a:t>規畫</a:t>
-            </a:r>
-            <a:r>
-              <a:rPr lang="zh-TW" altLang="en-US">
+              <a:rPr lang="zh-TW" altLang="en-US" dirty="0" smtClean="0">
+                <a:latin typeface="微軟正黑體" panose="020B0604030504040204" pitchFamily="34" charset="-120"/>
+                <a:ea typeface="微軟正黑體" panose="020B0604030504040204" pitchFamily="34" charset="-120"/>
+              </a:rPr>
+              <a:t>重新規畫</a:t>
+            </a:r>
+            <a:r>
+              <a:rPr lang="zh-TW" altLang="en-US" dirty="0">
                 <a:latin typeface="微軟正黑體" panose="020B0604030504040204" pitchFamily="34" charset="-120"/>
                 <a:ea typeface="微軟正黑體" panose="020B0604030504040204" pitchFamily="34" charset="-120"/>
               </a:rPr>
               <a:t>製作</a:t>
             </a:r>
             <a:r>
-              <a:rPr lang="zh-TW" altLang="en-US" smtClean="0">
+              <a:rPr lang="zh-TW" altLang="en-US" dirty="0" smtClean="0">
                 <a:latin typeface="微軟正黑體" panose="020B0604030504040204" pitchFamily="34" charset="-120"/>
                 <a:ea typeface="微軟正黑體" panose="020B0604030504040204" pitchFamily="34" charset="-120"/>
               </a:rPr>
@@ -5397,39 +5383,60 @@
           </a:p>
           <a:p>
             <a:r>
+              <a:rPr lang="zh-TW" altLang="en-US" smtClean="0">
+                <a:latin typeface="微軟正黑體" panose="020B0604030504040204" pitchFamily="34" charset="-120"/>
+                <a:ea typeface="微軟正黑體" panose="020B0604030504040204" pitchFamily="34" charset="-120"/>
+              </a:rPr>
+              <a:t>郭</a:t>
+            </a:r>
+            <a:r>
+              <a:rPr lang="zh-TW" altLang="en-US">
+                <a:latin typeface="微軟正黑體" panose="020B0604030504040204" pitchFamily="34" charset="-120"/>
+                <a:ea typeface="微軟正黑體" panose="020B0604030504040204" pitchFamily="34" charset="-120"/>
+              </a:rPr>
+              <a:t>上暐</a:t>
+            </a:r>
+            <a:r>
+              <a:rPr lang="en-US" altLang="zh-TW" smtClean="0">
+                <a:latin typeface="微軟正黑體" panose="020B0604030504040204" pitchFamily="34" charset="-120"/>
+                <a:ea typeface="微軟正黑體" panose="020B0604030504040204" pitchFamily="34" charset="-120"/>
+              </a:rPr>
+              <a:t>:</a:t>
+            </a:r>
+            <a:r>
               <a:rPr lang="zh-TW" altLang="en-US" dirty="0" smtClean="0">
                 <a:latin typeface="微軟正黑體" panose="020B0604030504040204" pitchFamily="34" charset="-120"/>
                 <a:ea typeface="微軟正黑體" panose="020B0604030504040204" pitchFamily="34" charset="-120"/>
               </a:rPr>
-              <a:t>郭上偉</a:t>
+              <a:t>商品分析</a:t>
             </a:r>
             <a:r>
               <a:rPr lang="en-US" altLang="zh-TW" dirty="0" smtClean="0">
                 <a:latin typeface="微軟正黑體" panose="020B0604030504040204" pitchFamily="34" charset="-120"/>
                 <a:ea typeface="微軟正黑體" panose="020B0604030504040204" pitchFamily="34" charset="-120"/>
               </a:rPr>
-              <a:t>:</a:t>
+              <a:t>SQL</a:t>
             </a:r>
             <a:r>
               <a:rPr lang="zh-TW" altLang="en-US" dirty="0" smtClean="0">
                 <a:latin typeface="微軟正黑體" panose="020B0604030504040204" pitchFamily="34" charset="-120"/>
                 <a:ea typeface="微軟正黑體" panose="020B0604030504040204" pitchFamily="34" charset="-120"/>
               </a:rPr>
-              <a:t>商品分析</a:t>
+              <a:t>代碼，商品上架</a:t>
             </a:r>
             <a:r>
               <a:rPr lang="en-US" altLang="zh-TW" dirty="0" smtClean="0">
                 <a:latin typeface="微軟正黑體" panose="020B0604030504040204" pitchFamily="34" charset="-120"/>
                 <a:ea typeface="微軟正黑體" panose="020B0604030504040204" pitchFamily="34" charset="-120"/>
               </a:rPr>
-              <a:t>SQL</a:t>
+              <a:t>/</a:t>
             </a:r>
             <a:r>
               <a:rPr lang="zh-TW" altLang="en-US" dirty="0" smtClean="0">
                 <a:latin typeface="微軟正黑體" panose="020B0604030504040204" pitchFamily="34" charset="-120"/>
                 <a:ea typeface="微軟正黑體" panose="020B0604030504040204" pitchFamily="34" charset="-120"/>
               </a:rPr>
-              <a:t>代碼，商品上架</a:t>
+              <a:t>顯示</a:t>
             </a:r>
             <a:r>
               <a:rPr lang="en-US" altLang="zh-TW" dirty="0" smtClean="0">
@@ -5443,28 +5450,7 @@
                 <a:latin typeface="微軟正黑體" panose="020B0604030504040204" pitchFamily="34" charset="-120"/>
                 <a:ea typeface="微軟正黑體" panose="020B0604030504040204" pitchFamily="34" charset="-120"/>
               </a:rPr>
-              <a:t>顯示</a:t>
-            </a:r>
-            <a:r>
-              <a:rPr lang="en-US" altLang="zh-TW" dirty="0" smtClean="0">
-                <a:latin typeface="微軟正黑體" panose="020B0604030504040204" pitchFamily="34" charset="-120"/>
-                <a:ea typeface="微軟正黑體" panose="020B0604030504040204" pitchFamily="34" charset="-120"/>
-              </a:rPr>
-              <a:t>/</a:t>
-            </a:r>
-            <a:r>
-              <a:rPr lang="zh-TW" altLang="en-US" dirty="0" smtClean="0">
-                <a:latin typeface="微軟正黑體" panose="020B0604030504040204" pitchFamily="34" charset="-120"/>
-                <a:ea typeface="微軟正黑體" panose="020B0604030504040204" pitchFamily="34" charset="-120"/>
-              </a:rPr>
-              <a:t>留言部份代</a:t>
-            </a:r>
-            <a:r>
-              <a:rPr lang="zh-TW" altLang="en-US" dirty="0" smtClean="0">
-                <a:latin typeface="微軟正黑體" panose="020B0604030504040204" pitchFamily="34" charset="-120"/>
-                <a:ea typeface="微軟正黑體" panose="020B0604030504040204" pitchFamily="34" charset="-120"/>
-              </a:rPr>
-              <a:t>碼</a:t>
+              <a:t>留言部份代碼</a:t>
             </a:r>
             <a:r>
               <a:rPr lang="en-US" altLang="zh-TW" dirty="0">

--- a/PHP期末報告.pptx
+++ b/PHP期末報告.pptx
@@ -4928,7 +4928,15 @@
                 <a:ea typeface="微軟正黑體" panose="020B0604030504040204" pitchFamily="34" charset="-120"/>
                 <a:hlinkClick r:id="rId3"/>
               </a:rPr>
-              <a:t>http://2sell.ga</a:t>
+              <a:t>http://</a:t>
+            </a:r>
+            <a:r>
+              <a:rPr lang="en-US" altLang="zh-TW" dirty="0" smtClean="0">
+                <a:latin typeface="微軟正黑體" panose="020B0604030504040204" pitchFamily="34" charset="-120"/>
+                <a:ea typeface="微軟正黑體" panose="020B0604030504040204" pitchFamily="34" charset="-120"/>
+                <a:hlinkClick r:id="rId3"/>
+              </a:rPr>
+              <a:t>2sell.ga</a:t>
             </a:r>
             <a:r>
               <a:rPr lang="en-US" altLang="zh-TW" dirty="0" smtClean="0">
@@ -4939,6 +4947,168 @@
             </a:r>
             <a:br>
               <a:rPr lang="en-US" altLang="zh-TW" dirty="0" smtClean="0">
+                <a:latin typeface="微軟正黑體" panose="020B0604030504040204" pitchFamily="34" charset="-120"/>
+                <a:ea typeface="微軟正黑體" panose="020B0604030504040204" pitchFamily="34" charset="-120"/>
+              </a:rPr>
+            </a:br>
+            <a:r>
+              <a:rPr lang="en-US" altLang="zh-TW" dirty="0">
+                <a:latin typeface="微軟正黑體" panose="020B0604030504040204" pitchFamily="34" charset="-120"/>
+                <a:ea typeface="微軟正黑體" panose="020B0604030504040204" pitchFamily="34" charset="-120"/>
+              </a:rPr>
+              <a:t/>
+            </a:r>
+            <a:br>
+              <a:rPr lang="en-US" altLang="zh-TW" dirty="0">
+                <a:latin typeface="微軟正黑體" panose="020B0604030504040204" pitchFamily="34" charset="-120"/>
+                <a:ea typeface="微軟正黑體" panose="020B0604030504040204" pitchFamily="34" charset="-120"/>
+              </a:rPr>
+            </a:br>
+            <a:r>
+              <a:rPr lang="zh-TW" altLang="en-US" sz="2000" dirty="0" smtClean="0">
+                <a:latin typeface="微軟正黑體" panose="020B0604030504040204" pitchFamily="34" charset="-120"/>
+                <a:ea typeface="微軟正黑體" panose="020B0604030504040204" pitchFamily="34" charset="-120"/>
+              </a:rPr>
+              <a:t>因為部分</a:t>
+            </a:r>
+            <a:r>
+              <a:rPr lang="zh-TW" altLang="en-US" sz="2000" dirty="0">
+                <a:latin typeface="微軟正黑體" panose="020B0604030504040204" pitchFamily="34" charset="-120"/>
+                <a:ea typeface="微軟正黑體" panose="020B0604030504040204" pitchFamily="34" charset="-120"/>
+              </a:rPr>
+              <a:t>功</a:t>
+            </a:r>
+            <a:r>
+              <a:rPr lang="zh-TW" altLang="en-US" sz="2000" dirty="0" smtClean="0">
+                <a:latin typeface="微軟正黑體" panose="020B0604030504040204" pitchFamily="34" charset="-120"/>
+                <a:ea typeface="微軟正黑體" panose="020B0604030504040204" pitchFamily="34" charset="-120"/>
+              </a:rPr>
+              <a:t>能需登入管理員才能使用</a:t>
+            </a:r>
+            <a:r>
+              <a:rPr lang="en-US" altLang="zh-TW" sz="2000" dirty="0" smtClean="0">
+                <a:latin typeface="微軟正黑體" panose="020B0604030504040204" pitchFamily="34" charset="-120"/>
+                <a:ea typeface="微軟正黑體" panose="020B0604030504040204" pitchFamily="34" charset="-120"/>
+              </a:rPr>
+              <a:t/>
+            </a:r>
+            <a:br>
+              <a:rPr lang="en-US" altLang="zh-TW" sz="2000" dirty="0" smtClean="0">
+                <a:latin typeface="微軟正黑體" panose="020B0604030504040204" pitchFamily="34" charset="-120"/>
+                <a:ea typeface="微軟正黑體" panose="020B0604030504040204" pitchFamily="34" charset="-120"/>
+              </a:rPr>
+            </a:br>
+            <a:r>
+              <a:rPr lang="en-US" altLang="zh-TW" sz="2000" dirty="0" smtClean="0">
+                <a:latin typeface="微軟正黑體" panose="020B0604030504040204" pitchFamily="34" charset="-120"/>
+                <a:ea typeface="微軟正黑體" panose="020B0604030504040204" pitchFamily="34" charset="-120"/>
+              </a:rPr>
+              <a:t/>
+            </a:r>
+            <a:br>
+              <a:rPr lang="en-US" altLang="zh-TW" sz="2000" dirty="0" smtClean="0">
+                <a:latin typeface="微軟正黑體" panose="020B0604030504040204" pitchFamily="34" charset="-120"/>
+                <a:ea typeface="微軟正黑體" panose="020B0604030504040204" pitchFamily="34" charset="-120"/>
+              </a:rPr>
+            </a:br>
+            <a:r>
+              <a:rPr lang="zh-TW" altLang="en-US" sz="2000" dirty="0" smtClean="0">
+                <a:latin typeface="微軟正黑體" panose="020B0604030504040204" pitchFamily="34" charset="-120"/>
+                <a:ea typeface="微軟正黑體" panose="020B0604030504040204" pitchFamily="34" charset="-120"/>
+              </a:rPr>
+              <a:t>因為</a:t>
+            </a:r>
+            <a:r>
+              <a:rPr lang="en-US" altLang="zh-TW" sz="2000" dirty="0" smtClean="0">
+                <a:latin typeface="微軟正黑體" panose="020B0604030504040204" pitchFamily="34" charset="-120"/>
+                <a:ea typeface="微軟正黑體" panose="020B0604030504040204" pitchFamily="34" charset="-120"/>
+              </a:rPr>
+              <a:t>github</a:t>
+            </a:r>
+            <a:r>
+              <a:rPr lang="zh-TW" altLang="en-US" sz="2000" dirty="0" smtClean="0">
+                <a:latin typeface="微軟正黑體" panose="020B0604030504040204" pitchFamily="34" charset="-120"/>
+                <a:ea typeface="微軟正黑體" panose="020B0604030504040204" pitchFamily="34" charset="-120"/>
+              </a:rPr>
+              <a:t>是公開的為防止惡意修改網站密碼請</a:t>
+            </a:r>
+            <a:r>
+              <a:rPr lang="en-US" altLang="zh-TW" sz="2000" dirty="0" smtClean="0">
+                <a:latin typeface="微軟正黑體" panose="020B0604030504040204" pitchFamily="34" charset="-120"/>
+                <a:ea typeface="微軟正黑體" panose="020B0604030504040204" pitchFamily="34" charset="-120"/>
+              </a:rPr>
+              <a:t>FB</a:t>
+            </a:r>
+            <a:r>
+              <a:rPr lang="zh-TW" altLang="en-US" sz="2000" dirty="0" smtClean="0">
+                <a:latin typeface="微軟正黑體" panose="020B0604030504040204" pitchFamily="34" charset="-120"/>
+                <a:ea typeface="微軟正黑體" panose="020B0604030504040204" pitchFamily="34" charset="-120"/>
+              </a:rPr>
+              <a:t>私訊 </a:t>
+            </a:r>
+            <a:r>
+              <a:rPr lang="en-US" altLang="zh-TW" sz="2000" dirty="0" smtClean="0">
+                <a:latin typeface="微軟正黑體" panose="020B0604030504040204" pitchFamily="34" charset="-120"/>
+                <a:ea typeface="微軟正黑體" panose="020B0604030504040204" pitchFamily="34" charset="-120"/>
+                <a:hlinkClick r:id="rId4"/>
+              </a:rPr>
+              <a:t>nfr472xb@gmail.com</a:t>
+            </a:r>
+            <a:r>
+              <a:rPr lang="en-US" altLang="zh-TW" sz="2000" dirty="0" smtClean="0">
+                <a:latin typeface="微軟正黑體" panose="020B0604030504040204" pitchFamily="34" charset="-120"/>
+                <a:ea typeface="微軟正黑體" panose="020B0604030504040204" pitchFamily="34" charset="-120"/>
+              </a:rPr>
+              <a:t/>
+            </a:r>
+            <a:br>
+              <a:rPr lang="en-US" altLang="zh-TW" sz="2000" dirty="0" smtClean="0">
+                <a:latin typeface="微軟正黑體" panose="020B0604030504040204" pitchFamily="34" charset="-120"/>
+                <a:ea typeface="微軟正黑體" panose="020B0604030504040204" pitchFamily="34" charset="-120"/>
+              </a:rPr>
+            </a:br>
+            <a:r>
+              <a:rPr lang="en-US" altLang="zh-TW" sz="2000" dirty="0" smtClean="0">
+                <a:latin typeface="微軟正黑體" panose="020B0604030504040204" pitchFamily="34" charset="-120"/>
+                <a:ea typeface="微軟正黑體" panose="020B0604030504040204" pitchFamily="34" charset="-120"/>
+              </a:rPr>
+              <a:t/>
+            </a:r>
+            <a:br>
+              <a:rPr lang="en-US" altLang="zh-TW" sz="2000" dirty="0" smtClean="0">
+                <a:latin typeface="微軟正黑體" panose="020B0604030504040204" pitchFamily="34" charset="-120"/>
+                <a:ea typeface="微軟正黑體" panose="020B0604030504040204" pitchFamily="34" charset="-120"/>
+              </a:rPr>
+            </a:br>
+            <a:r>
+              <a:rPr lang="zh-TW" altLang="en-US" sz="2000" dirty="0" smtClean="0">
+                <a:latin typeface="微軟正黑體" panose="020B0604030504040204" pitchFamily="34" charset="-120"/>
+                <a:ea typeface="微軟正黑體" panose="020B0604030504040204" pitchFamily="34" charset="-120"/>
+              </a:rPr>
+              <a:t>帳號</a:t>
+            </a:r>
+            <a:r>
+              <a:rPr lang="en-US" altLang="zh-TW" sz="2000" dirty="0" smtClean="0">
+                <a:latin typeface="微軟正黑體" panose="020B0604030504040204" pitchFamily="34" charset="-120"/>
+                <a:ea typeface="微軟正黑體" panose="020B0604030504040204" pitchFamily="34" charset="-120"/>
+              </a:rPr>
+              <a:t>admin </a:t>
+            </a:r>
+            <a:br>
+              <a:rPr lang="en-US" altLang="zh-TW" sz="2000" dirty="0" smtClean="0">
+                <a:latin typeface="微軟正黑體" panose="020B0604030504040204" pitchFamily="34" charset="-120"/>
+                <a:ea typeface="微軟正黑體" panose="020B0604030504040204" pitchFamily="34" charset="-120"/>
+              </a:rPr>
+            </a:br>
+            <a:r>
+              <a:rPr lang="en-US" altLang="zh-TW" sz="3100" dirty="0" smtClean="0">
+                <a:latin typeface="微軟正黑體" panose="020B0604030504040204" pitchFamily="34" charset="-120"/>
+                <a:ea typeface="微軟正黑體" panose="020B0604030504040204" pitchFamily="34" charset="-120"/>
+              </a:rPr>
+              <a:t/>
+            </a:r>
+            <a:br>
+              <a:rPr lang="en-US" altLang="zh-TW" sz="3100" dirty="0" smtClean="0">
                 <a:latin typeface="微軟正黑體" panose="020B0604030504040204" pitchFamily="34" charset="-120"/>
                 <a:ea typeface="微軟正黑體" panose="020B0604030504040204" pitchFamily="34" charset="-120"/>
               </a:rPr>
